--- a/CrimeDataPresentation.pptx
+++ b/CrimeDataPresentation.pptx
@@ -109,6 +109,11 @@
       </a:defRPr>
     </a:lvl9pPr>
   </p:defaultTextStyle>
+  <p:extLst>
+    <p:ext uri="{EFAFB233-063F-42B5-8137-9DF3F51BA10A}">
+      <p15:sldGuideLst xmlns:p15="http://schemas.microsoft.com/office/powerpoint/2012/main"/>
+    </p:ext>
+  </p:extLst>
 </p:presentation>
 </file>
 
@@ -282,7 +287,7 @@
             <a:fld id="{87DE6118-2437-4B30-8E3C-4D2BE6020583}" type="datetimeFigureOut">
               <a:rPr lang="en-US" dirty="0"/>
               <a:pPr/>
-              <a:t>11/3/18</a:t>
+              <a:t>11/15/2018</a:t>
             </a:fld>
             <a:endParaRPr lang="en-US" dirty="0"/>
           </a:p>
@@ -608,7 +613,7 @@
           <a:p>
             <a:fld id="{87DE6118-2437-4B30-8E3C-4D2BE6020583}" type="datetimeFigureOut">
               <a:rPr lang="en-US" dirty="0"/>
-              <a:t>11/3/18</a:t>
+              <a:t>11/15/2018</a:t>
             </a:fld>
             <a:endParaRPr lang="en-US" dirty="0"/>
           </a:p>
@@ -783,7 +788,7 @@
           <a:p>
             <a:fld id="{87DE6118-2437-4B30-8E3C-4D2BE6020583}" type="datetimeFigureOut">
               <a:rPr lang="en-US" dirty="0"/>
-              <a:t>11/3/18</a:t>
+              <a:t>11/15/2018</a:t>
             </a:fld>
             <a:endParaRPr lang="en-US" dirty="0"/>
           </a:p>
@@ -948,7 +953,7 @@
           <a:p>
             <a:fld id="{87DE6118-2437-4B30-8E3C-4D2BE6020583}" type="datetimeFigureOut">
               <a:rPr lang="en-US" dirty="0"/>
-              <a:t>11/3/18</a:t>
+              <a:t>11/15/2018</a:t>
             </a:fld>
             <a:endParaRPr lang="en-US" dirty="0"/>
           </a:p>
@@ -1221,7 +1226,7 @@
             <a:fld id="{87DE6118-2437-4B30-8E3C-4D2BE6020583}" type="datetimeFigureOut">
               <a:rPr lang="en-US" dirty="0"/>
               <a:pPr/>
-              <a:t>11/3/18</a:t>
+              <a:t>11/15/2018</a:t>
             </a:fld>
             <a:endParaRPr lang="en-US" dirty="0"/>
           </a:p>
@@ -1611,7 +1616,7 @@
           <a:p>
             <a:fld id="{87DE6118-2437-4B30-8E3C-4D2BE6020583}" type="datetimeFigureOut">
               <a:rPr lang="en-US" dirty="0"/>
-              <a:t>11/3/18</a:t>
+              <a:t>11/15/2018</a:t>
             </a:fld>
             <a:endParaRPr lang="en-US" dirty="0"/>
           </a:p>
@@ -2083,7 +2088,7 @@
           <a:p>
             <a:fld id="{87DE6118-2437-4B30-8E3C-4D2BE6020583}" type="datetimeFigureOut">
               <a:rPr lang="en-US" dirty="0"/>
-              <a:t>11/3/18</a:t>
+              <a:t>11/15/2018</a:t>
             </a:fld>
             <a:endParaRPr lang="en-US" dirty="0"/>
           </a:p>
@@ -2196,7 +2201,7 @@
           <a:p>
             <a:fld id="{87DE6118-2437-4B30-8E3C-4D2BE6020583}" type="datetimeFigureOut">
               <a:rPr lang="en-US" dirty="0"/>
-              <a:t>11/3/18</a:t>
+              <a:t>11/15/2018</a:t>
             </a:fld>
             <a:endParaRPr lang="en-US" dirty="0"/>
           </a:p>
@@ -2286,7 +2291,7 @@
           <a:p>
             <a:fld id="{87DE6118-2437-4B30-8E3C-4D2BE6020583}" type="datetimeFigureOut">
               <a:rPr lang="en-US" dirty="0"/>
-              <a:t>11/3/18</a:t>
+              <a:t>11/15/2018</a:t>
             </a:fld>
             <a:endParaRPr lang="en-US" dirty="0"/>
           </a:p>
@@ -2628,7 +2633,7 @@
             <a:fld id="{87DE6118-2437-4B30-8E3C-4D2BE6020583}" type="datetimeFigureOut">
               <a:rPr lang="en-US" dirty="0"/>
               <a:pPr/>
-              <a:t>11/3/18</a:t>
+              <a:t>11/15/2018</a:t>
             </a:fld>
             <a:endParaRPr lang="en-US" dirty="0"/>
           </a:p>
@@ -3013,7 +3018,7 @@
             <a:fld id="{87DE6118-2437-4B30-8E3C-4D2BE6020583}" type="datetimeFigureOut">
               <a:rPr lang="en-US" dirty="0"/>
               <a:pPr/>
-              <a:t>11/3/18</a:t>
+              <a:t>11/15/2018</a:t>
             </a:fld>
             <a:endParaRPr lang="en-US" dirty="0"/>
           </a:p>
@@ -3288,7 +3293,7 @@
             <a:fld id="{87DE6118-2437-4B30-8E3C-4D2BE6020583}" type="datetimeFigureOut">
               <a:rPr lang="en-US" dirty="0"/>
               <a:pPr/>
-              <a:t>11/3/18</a:t>
+              <a:t>11/15/2018</a:t>
             </a:fld>
             <a:endParaRPr lang="en-US" dirty="0"/>
           </a:p>
@@ -3847,7 +3852,7 @@
           <a:p>
             <a:r>
               <a:rPr lang="en-US" dirty="0"/>
-              <a:t>UCF DA Bootcamp</a:t>
+              <a:t>UCF Data and Visualization Bootcamp</a:t>
             </a:r>
           </a:p>
           <a:p>
@@ -4207,7 +4212,7 @@
       </p:sp>
       <p:pic>
         <p:nvPicPr>
-          <p:cNvPr id="7" name="Picture 6" descr="A screenshot of a cell phone&#13;&#10;&#13;&#10;Description automatically generated">
+          <p:cNvPr id="7" name="Picture 6" descr="A screenshot of a cell phone&#10;&#10;Description automatically generated">
             <a:extLst>
               <a:ext uri="{FF2B5EF4-FFF2-40B4-BE49-F238E27FC236}">
                 <a16:creationId xmlns:a16="http://schemas.microsoft.com/office/drawing/2014/main" id="{0DAD39BA-95AE-9A45-A3A7-332852B17B1F}"/>
@@ -4728,7 +4733,7 @@
       </p:sp>
       <p:pic>
         <p:nvPicPr>
-          <p:cNvPr id="7" name="Picture 6" descr="A screenshot of a cell phone&#13;&#10;&#13;&#10;Description automatically generated">
+          <p:cNvPr id="7" name="Picture 6" descr="A screenshot of a cell phone&#10;&#10;Description automatically generated">
             <a:extLst>
               <a:ext uri="{FF2B5EF4-FFF2-40B4-BE49-F238E27FC236}">
                 <a16:creationId xmlns:a16="http://schemas.microsoft.com/office/drawing/2014/main" id="{6CC5EF60-86DB-2742-8D16-181D51667C6C}"/>
